--- a/스토리보드(최초작업).pptx
+++ b/스토리보드(최초작업).pptx
@@ -10,6 +10,7 @@
     <p:sldId id="268" r:id="rId4"/>
     <p:sldId id="269" r:id="rId5"/>
     <p:sldId id="270" r:id="rId6"/>
+    <p:sldId id="271" r:id="rId7"/>
   </p:sldIdLst>
   <p:sldSz cx="12192000" cy="6858000"/>
   <p:notesSz cx="6858000" cy="9144000"/>
@@ -108,6 +109,11 @@
       </a:defRPr>
     </a:lvl9pPr>
   </p:defaultTextStyle>
+  <p:extLst>
+    <p:ext uri="{EFAFB233-063F-42B5-8137-9DF3F51BA10A}">
+      <p15:sldGuideLst xmlns:p15="http://schemas.microsoft.com/office/powerpoint/2012/main"/>
+    </p:ext>
+  </p:extLst>
 </p:presentation>
 </file>
 
@@ -9706,6 +9712,1130 @@
 </p:sld>
 </file>
 
+<file path=ppt/slides/slide6.xml><?xml version="1.0" encoding="utf-8"?>
+<p:sld xmlns:a="http://schemas.openxmlformats.org/drawingml/2006/main" xmlns:r="http://schemas.openxmlformats.org/officeDocument/2006/relationships" xmlns:p="http://schemas.openxmlformats.org/presentationml/2006/main">
+  <p:cSld>
+    <p:spTree>
+      <p:nvGrpSpPr>
+        <p:cNvPr id="1" name=""/>
+        <p:cNvGrpSpPr/>
+        <p:nvPr/>
+      </p:nvGrpSpPr>
+      <p:grpSpPr>
+        <a:xfrm>
+          <a:off x="0" y="0"/>
+          <a:ext cx="0" cy="0"/>
+          <a:chOff x="0" y="0"/>
+          <a:chExt cx="0" cy="0"/>
+        </a:xfrm>
+      </p:grpSpPr>
+      <p:grpSp>
+        <p:nvGrpSpPr>
+          <p:cNvPr id="9" name="그룹 1002"/>
+          <p:cNvGrpSpPr/>
+          <p:nvPr/>
+        </p:nvGrpSpPr>
+        <p:grpSpPr>
+          <a:xfrm>
+            <a:off x="10604521" y="0"/>
+            <a:ext cx="1585955" cy="1585955"/>
+            <a:chOff x="15906782" y="0"/>
+            <a:chExt cx="2378932" cy="2378932"/>
+          </a:xfrm>
+        </p:grpSpPr>
+        <p:pic>
+          <p:nvPicPr>
+            <p:cNvPr id="10" name="Object 8"/>
+            <p:cNvPicPr>
+              <a:picLocks noChangeAspect="1"/>
+            </p:cNvPicPr>
+            <p:nvPr/>
+          </p:nvPicPr>
+          <p:blipFill>
+            <a:blip r:embed="rId2" cstate="print"/>
+            <a:stretch>
+              <a:fillRect/>
+            </a:stretch>
+          </p:blipFill>
+          <p:spPr>
+            <a:xfrm>
+              <a:off x="15906782" y="0"/>
+              <a:ext cx="2378932" cy="2378932"/>
+            </a:xfrm>
+            <a:prstGeom prst="rect">
+              <a:avLst/>
+            </a:prstGeom>
+          </p:spPr>
+        </p:pic>
+      </p:grpSp>
+      <p:grpSp>
+        <p:nvGrpSpPr>
+          <p:cNvPr id="11" name="그룹 1001"/>
+          <p:cNvGrpSpPr/>
+          <p:nvPr/>
+        </p:nvGrpSpPr>
+        <p:grpSpPr>
+          <a:xfrm>
+            <a:off x="1613029" y="855874"/>
+            <a:ext cx="8803297" cy="73458"/>
+            <a:chOff x="2419543" y="1283810"/>
+            <a:chExt cx="13204946" cy="110187"/>
+          </a:xfrm>
+        </p:grpSpPr>
+        <p:pic>
+          <p:nvPicPr>
+            <p:cNvPr id="12" name="Object 3"/>
+            <p:cNvPicPr>
+              <a:picLocks noChangeAspect="1"/>
+            </p:cNvPicPr>
+            <p:nvPr/>
+          </p:nvPicPr>
+          <p:blipFill>
+            <a:blip r:embed="rId3" cstate="print"/>
+            <a:stretch>
+              <a:fillRect/>
+            </a:stretch>
+          </p:blipFill>
+          <p:spPr>
+            <a:xfrm>
+              <a:off x="2419543" y="1283810"/>
+              <a:ext cx="13204946" cy="110187"/>
+            </a:xfrm>
+            <a:prstGeom prst="rect">
+              <a:avLst/>
+            </a:prstGeom>
+          </p:spPr>
+        </p:pic>
+      </p:grpSp>
+      <p:pic>
+        <p:nvPicPr>
+          <p:cNvPr id="13" name="Object 7"/>
+          <p:cNvPicPr>
+            <a:picLocks noChangeAspect="1"/>
+          </p:cNvPicPr>
+          <p:nvPr/>
+        </p:nvPicPr>
+        <p:blipFill>
+          <a:blip r:embed="rId4" cstate="print"/>
+          <a:stretch>
+            <a:fillRect/>
+          </a:stretch>
+        </p:blipFill>
+        <p:spPr>
+          <a:xfrm>
+            <a:off x="4259352" y="-103918"/>
+            <a:ext cx="3490769" cy="1127154"/>
+          </a:xfrm>
+          <a:prstGeom prst="rect">
+            <a:avLst/>
+          </a:prstGeom>
+        </p:spPr>
+      </p:pic>
+      <p:pic>
+        <p:nvPicPr>
+          <p:cNvPr id="14" name="Object 1"/>
+          <p:cNvPicPr>
+            <a:picLocks noChangeAspect="1"/>
+          </p:cNvPicPr>
+          <p:nvPr/>
+        </p:nvPicPr>
+        <p:blipFill>
+          <a:blip r:embed="rId5" cstate="print"/>
+          <a:stretch>
+            <a:fillRect/>
+          </a:stretch>
+        </p:blipFill>
+        <p:spPr>
+          <a:xfrm>
+            <a:off x="947729" y="758732"/>
+            <a:ext cx="309126" cy="319237"/>
+          </a:xfrm>
+          <a:prstGeom prst="rect">
+            <a:avLst/>
+          </a:prstGeom>
+        </p:spPr>
+      </p:pic>
+      <p:pic>
+        <p:nvPicPr>
+          <p:cNvPr id="16" name="Object 3"/>
+          <p:cNvPicPr>
+            <a:picLocks noChangeAspect="1"/>
+          </p:cNvPicPr>
+          <p:nvPr/>
+        </p:nvPicPr>
+        <p:blipFill>
+          <a:blip r:embed="rId6" cstate="print"/>
+          <a:stretch>
+            <a:fillRect/>
+          </a:stretch>
+        </p:blipFill>
+        <p:spPr>
+          <a:xfrm>
+            <a:off x="343339" y="6374287"/>
+            <a:ext cx="271535" cy="265515"/>
+          </a:xfrm>
+          <a:prstGeom prst="rect">
+            <a:avLst/>
+          </a:prstGeom>
+        </p:spPr>
+      </p:pic>
+      <p:sp>
+        <p:nvSpPr>
+          <p:cNvPr id="31" name="TextBox 30">
+            <a:extLst>
+              <a:ext uri="{FF2B5EF4-FFF2-40B4-BE49-F238E27FC236}">
+                <a16:creationId xmlns:a16="http://schemas.microsoft.com/office/drawing/2014/main" id="{05FFA84E-35BF-4021-ACBC-7D1CBBBC05C7}"/>
+              </a:ext>
+            </a:extLst>
+          </p:cNvPr>
+          <p:cNvSpPr txBox="1"/>
+          <p:nvPr/>
+        </p:nvSpPr>
+        <p:spPr>
+          <a:xfrm>
+            <a:off x="2373111" y="1396333"/>
+            <a:ext cx="1430767" cy="369332"/>
+          </a:xfrm>
+          <a:prstGeom prst="rect">
+            <a:avLst/>
+          </a:prstGeom>
+          <a:noFill/>
+        </p:spPr>
+        <p:txBody>
+          <a:bodyPr wrap="square" rtlCol="0">
+            <a:spAutoFit/>
+          </a:bodyPr>
+          <a:lstStyle/>
+          <a:p>
+            <a:pPr algn="ctr"/>
+            <a:r>
+              <a:rPr lang="en-US" altLang="ko-KR" b="1" dirty="0" err="1">
+                <a:solidFill>
+                  <a:srgbClr val="7030A0"/>
+                </a:solidFill>
+              </a:rPr>
+              <a:t>QnA</a:t>
+            </a:r>
+            <a:endParaRPr lang="ko-KR" altLang="en-US" b="1" dirty="0">
+              <a:solidFill>
+                <a:srgbClr val="7030A0"/>
+              </a:solidFill>
+            </a:endParaRPr>
+          </a:p>
+        </p:txBody>
+      </p:sp>
+      <p:sp>
+        <p:nvSpPr>
+          <p:cNvPr id="47" name="TextBox 46">
+            <a:extLst>
+              <a:ext uri="{FF2B5EF4-FFF2-40B4-BE49-F238E27FC236}">
+                <a16:creationId xmlns:a16="http://schemas.microsoft.com/office/drawing/2014/main" id="{B7C2420D-427D-4842-9414-B90130C78D24}"/>
+              </a:ext>
+            </a:extLst>
+          </p:cNvPr>
+          <p:cNvSpPr txBox="1"/>
+          <p:nvPr/>
+        </p:nvSpPr>
+        <p:spPr>
+          <a:xfrm>
+            <a:off x="7730898" y="1480275"/>
+            <a:ext cx="2302383" cy="369332"/>
+          </a:xfrm>
+          <a:prstGeom prst="rect">
+            <a:avLst/>
+          </a:prstGeom>
+          <a:noFill/>
+        </p:spPr>
+        <p:txBody>
+          <a:bodyPr wrap="square" rtlCol="0">
+            <a:spAutoFit/>
+          </a:bodyPr>
+          <a:lstStyle/>
+          <a:p>
+            <a:pPr algn="ctr"/>
+            <a:r>
+              <a:rPr lang="en-US" altLang="ko-KR" b="1" dirty="0" err="1">
+                <a:solidFill>
+                  <a:srgbClr val="7030A0"/>
+                </a:solidFill>
+              </a:rPr>
+              <a:t>QuA</a:t>
+            </a:r>
+            <a:r>
+              <a:rPr lang="en-US" altLang="ko-KR" b="1" dirty="0">
+                <a:solidFill>
+                  <a:srgbClr val="7030A0"/>
+                </a:solidFill>
+              </a:rPr>
+              <a:t> </a:t>
+            </a:r>
+            <a:r>
+              <a:rPr lang="ko-KR" altLang="en-US" b="1" dirty="0">
+                <a:solidFill>
+                  <a:srgbClr val="7030A0"/>
+                </a:solidFill>
+              </a:rPr>
+              <a:t>답변</a:t>
+            </a:r>
+          </a:p>
+        </p:txBody>
+      </p:sp>
+      <p:sp>
+        <p:nvSpPr>
+          <p:cNvPr id="22" name="직사각형 21">
+            <a:extLst>
+              <a:ext uri="{FF2B5EF4-FFF2-40B4-BE49-F238E27FC236}">
+                <a16:creationId xmlns:a16="http://schemas.microsoft.com/office/drawing/2014/main" id="{51C4D5AF-5E11-4C82-B447-39374903F7EF}"/>
+              </a:ext>
+            </a:extLst>
+          </p:cNvPr>
+          <p:cNvSpPr/>
+          <p:nvPr/>
+        </p:nvSpPr>
+        <p:spPr>
+          <a:xfrm>
+            <a:off x="737302" y="2113071"/>
+            <a:ext cx="5168658" cy="3982175"/>
+          </a:xfrm>
+          <a:prstGeom prst="rect">
+            <a:avLst/>
+          </a:prstGeom>
+          <a:solidFill>
+            <a:schemeClr val="accent5">
+              <a:lumMod val="20000"/>
+              <a:lumOff val="80000"/>
+            </a:schemeClr>
+          </a:solidFill>
+        </p:spPr>
+        <p:style>
+          <a:lnRef idx="2">
+            <a:schemeClr val="accent1">
+              <a:shade val="50000"/>
+            </a:schemeClr>
+          </a:lnRef>
+          <a:fillRef idx="1">
+            <a:schemeClr val="accent1"/>
+          </a:fillRef>
+          <a:effectRef idx="0">
+            <a:schemeClr val="accent1"/>
+          </a:effectRef>
+          <a:fontRef idx="minor">
+            <a:schemeClr val="lt1"/>
+          </a:fontRef>
+        </p:style>
+        <p:txBody>
+          <a:bodyPr rtlCol="0" anchor="ctr"/>
+          <a:lstStyle/>
+          <a:p>
+            <a:pPr algn="ctr"/>
+            <a:endParaRPr lang="ko-KR" altLang="en-US" dirty="0"/>
+          </a:p>
+        </p:txBody>
+      </p:sp>
+      <p:sp>
+        <p:nvSpPr>
+          <p:cNvPr id="25" name="사각형: 둥근 모서리 24">
+            <a:extLst>
+              <a:ext uri="{FF2B5EF4-FFF2-40B4-BE49-F238E27FC236}">
+                <a16:creationId xmlns:a16="http://schemas.microsoft.com/office/drawing/2014/main" id="{A389D148-FA95-4F66-9C24-78166736F864}"/>
+              </a:ext>
+            </a:extLst>
+          </p:cNvPr>
+          <p:cNvSpPr/>
+          <p:nvPr/>
+        </p:nvSpPr>
+        <p:spPr>
+          <a:xfrm>
+            <a:off x="873069" y="2278712"/>
+            <a:ext cx="1213926" cy="436498"/>
+          </a:xfrm>
+          <a:prstGeom prst="roundRect">
+            <a:avLst/>
+          </a:prstGeom>
+          <a:solidFill>
+            <a:schemeClr val="accent1">
+              <a:lumMod val="40000"/>
+              <a:lumOff val="60000"/>
+            </a:schemeClr>
+          </a:solidFill>
+        </p:spPr>
+        <p:style>
+          <a:lnRef idx="2">
+            <a:schemeClr val="accent1">
+              <a:shade val="50000"/>
+            </a:schemeClr>
+          </a:lnRef>
+          <a:fillRef idx="1">
+            <a:schemeClr val="accent1"/>
+          </a:fillRef>
+          <a:effectRef idx="0">
+            <a:schemeClr val="accent1"/>
+          </a:effectRef>
+          <a:fontRef idx="minor">
+            <a:schemeClr val="lt1"/>
+          </a:fontRef>
+        </p:style>
+        <p:txBody>
+          <a:bodyPr rtlCol="0" anchor="ctr"/>
+          <a:lstStyle/>
+          <a:p>
+            <a:pPr algn="ctr"/>
+            <a:r>
+              <a:rPr lang="ko-KR" altLang="en-US" b="1" dirty="0">
+                <a:solidFill>
+                  <a:schemeClr val="tx1"/>
+                </a:solidFill>
+              </a:rPr>
+              <a:t>로고</a:t>
+            </a:r>
+          </a:p>
+        </p:txBody>
+      </p:sp>
+      <p:sp>
+        <p:nvSpPr>
+          <p:cNvPr id="26" name="사각형: 둥근 모서리 25">
+            <a:extLst>
+              <a:ext uri="{FF2B5EF4-FFF2-40B4-BE49-F238E27FC236}">
+                <a16:creationId xmlns:a16="http://schemas.microsoft.com/office/drawing/2014/main" id="{437F1ACF-8EDE-48DD-982F-B5F65B059F54}"/>
+              </a:ext>
+            </a:extLst>
+          </p:cNvPr>
+          <p:cNvSpPr/>
+          <p:nvPr/>
+        </p:nvSpPr>
+        <p:spPr>
+          <a:xfrm>
+            <a:off x="2226353" y="2278712"/>
+            <a:ext cx="3399907" cy="436498"/>
+          </a:xfrm>
+          <a:prstGeom prst="roundRect">
+            <a:avLst/>
+          </a:prstGeom>
+          <a:solidFill>
+            <a:schemeClr val="accent1">
+              <a:lumMod val="40000"/>
+              <a:lumOff val="60000"/>
+            </a:schemeClr>
+          </a:solidFill>
+        </p:spPr>
+        <p:style>
+          <a:lnRef idx="2">
+            <a:schemeClr val="accent1">
+              <a:shade val="50000"/>
+            </a:schemeClr>
+          </a:lnRef>
+          <a:fillRef idx="1">
+            <a:schemeClr val="accent1"/>
+          </a:fillRef>
+          <a:effectRef idx="0">
+            <a:schemeClr val="accent1"/>
+          </a:effectRef>
+          <a:fontRef idx="minor">
+            <a:schemeClr val="lt1"/>
+          </a:fontRef>
+        </p:style>
+        <p:txBody>
+          <a:bodyPr rtlCol="0" anchor="ctr"/>
+          <a:lstStyle/>
+          <a:p>
+            <a:pPr algn="ctr"/>
+            <a:r>
+              <a:rPr lang="ko-KR" altLang="en-US" b="1" dirty="0">
+                <a:solidFill>
+                  <a:schemeClr val="tx1"/>
+                </a:solidFill>
+              </a:rPr>
+              <a:t>로그인 창</a:t>
+            </a:r>
+          </a:p>
+        </p:txBody>
+      </p:sp>
+      <p:sp>
+        <p:nvSpPr>
+          <p:cNvPr id="27" name="사각형: 둥근 모서리 26">
+            <a:extLst>
+              <a:ext uri="{FF2B5EF4-FFF2-40B4-BE49-F238E27FC236}">
+                <a16:creationId xmlns:a16="http://schemas.microsoft.com/office/drawing/2014/main" id="{86342C38-4408-4948-8254-1850FDF355F8}"/>
+              </a:ext>
+            </a:extLst>
+          </p:cNvPr>
+          <p:cNvSpPr/>
+          <p:nvPr/>
+        </p:nvSpPr>
+        <p:spPr>
+          <a:xfrm>
+            <a:off x="873070" y="2880851"/>
+            <a:ext cx="4753190" cy="436498"/>
+          </a:xfrm>
+          <a:prstGeom prst="roundRect">
+            <a:avLst/>
+          </a:prstGeom>
+          <a:solidFill>
+            <a:schemeClr val="accent1">
+              <a:lumMod val="40000"/>
+              <a:lumOff val="60000"/>
+            </a:schemeClr>
+          </a:solidFill>
+        </p:spPr>
+        <p:style>
+          <a:lnRef idx="2">
+            <a:schemeClr val="accent1">
+              <a:shade val="50000"/>
+            </a:schemeClr>
+          </a:lnRef>
+          <a:fillRef idx="1">
+            <a:schemeClr val="accent1"/>
+          </a:fillRef>
+          <a:effectRef idx="0">
+            <a:schemeClr val="accent1"/>
+          </a:effectRef>
+          <a:fontRef idx="minor">
+            <a:schemeClr val="lt1"/>
+          </a:fontRef>
+        </p:style>
+        <p:txBody>
+          <a:bodyPr rtlCol="0" anchor="ctr"/>
+          <a:lstStyle/>
+          <a:p>
+            <a:pPr algn="ctr"/>
+            <a:r>
+              <a:rPr lang="ko-KR" altLang="en-US" b="1" dirty="0">
+                <a:solidFill>
+                  <a:schemeClr val="tx1"/>
+                </a:solidFill>
+              </a:rPr>
+              <a:t>메뉴</a:t>
+            </a:r>
+          </a:p>
+        </p:txBody>
+      </p:sp>
+      <p:sp>
+        <p:nvSpPr>
+          <p:cNvPr id="29" name="사각형: 둥근 모서리 28">
+            <a:extLst>
+              <a:ext uri="{FF2B5EF4-FFF2-40B4-BE49-F238E27FC236}">
+                <a16:creationId xmlns:a16="http://schemas.microsoft.com/office/drawing/2014/main" id="{A5456346-A966-4D47-BB28-361EC1CD8160}"/>
+              </a:ext>
+            </a:extLst>
+          </p:cNvPr>
+          <p:cNvSpPr/>
+          <p:nvPr/>
+        </p:nvSpPr>
+        <p:spPr>
+          <a:xfrm>
+            <a:off x="873070" y="3482990"/>
+            <a:ext cx="4753190" cy="1433255"/>
+          </a:xfrm>
+          <a:prstGeom prst="roundRect">
+            <a:avLst/>
+          </a:prstGeom>
+          <a:solidFill>
+            <a:schemeClr val="accent1">
+              <a:lumMod val="40000"/>
+              <a:lumOff val="60000"/>
+            </a:schemeClr>
+          </a:solidFill>
+        </p:spPr>
+        <p:style>
+          <a:lnRef idx="2">
+            <a:schemeClr val="accent1">
+              <a:shade val="50000"/>
+            </a:schemeClr>
+          </a:lnRef>
+          <a:fillRef idx="1">
+            <a:schemeClr val="accent1"/>
+          </a:fillRef>
+          <a:effectRef idx="0">
+            <a:schemeClr val="accent1"/>
+          </a:effectRef>
+          <a:fontRef idx="minor">
+            <a:schemeClr val="lt1"/>
+          </a:fontRef>
+        </p:style>
+        <p:txBody>
+          <a:bodyPr rtlCol="0" anchor="ctr"/>
+          <a:lstStyle/>
+          <a:p>
+            <a:pPr algn="ctr"/>
+            <a:r>
+              <a:rPr lang="ko-KR" altLang="en-US" b="1" dirty="0">
+                <a:solidFill>
+                  <a:schemeClr val="tx1"/>
+                </a:solidFill>
+              </a:rPr>
+              <a:t>도서 정보</a:t>
+            </a:r>
+          </a:p>
+        </p:txBody>
+      </p:sp>
+      <p:sp>
+        <p:nvSpPr>
+          <p:cNvPr id="30" name="직사각형 29">
+            <a:extLst>
+              <a:ext uri="{FF2B5EF4-FFF2-40B4-BE49-F238E27FC236}">
+                <a16:creationId xmlns:a16="http://schemas.microsoft.com/office/drawing/2014/main" id="{7B4A453C-0AA9-40BC-8C49-99FCC33576AF}"/>
+              </a:ext>
+            </a:extLst>
+          </p:cNvPr>
+          <p:cNvSpPr/>
+          <p:nvPr/>
+        </p:nvSpPr>
+        <p:spPr>
+          <a:xfrm>
+            <a:off x="1081998" y="3676815"/>
+            <a:ext cx="875905" cy="884424"/>
+          </a:xfrm>
+          <a:prstGeom prst="rect">
+            <a:avLst/>
+          </a:prstGeom>
+          <a:solidFill>
+            <a:schemeClr val="tx2">
+              <a:lumMod val="20000"/>
+              <a:lumOff val="80000"/>
+            </a:schemeClr>
+          </a:solidFill>
+        </p:spPr>
+        <p:style>
+          <a:lnRef idx="2">
+            <a:schemeClr val="accent1">
+              <a:shade val="50000"/>
+            </a:schemeClr>
+          </a:lnRef>
+          <a:fillRef idx="1">
+            <a:schemeClr val="accent1"/>
+          </a:fillRef>
+          <a:effectRef idx="0">
+            <a:schemeClr val="accent1"/>
+          </a:effectRef>
+          <a:fontRef idx="minor">
+            <a:schemeClr val="lt1"/>
+          </a:fontRef>
+        </p:style>
+        <p:txBody>
+          <a:bodyPr rtlCol="0" anchor="ctr"/>
+          <a:lstStyle/>
+          <a:p>
+            <a:pPr algn="ctr"/>
+            <a:r>
+              <a:rPr lang="ko-KR" altLang="en-US" b="1" dirty="0">
+                <a:solidFill>
+                  <a:schemeClr val="tx1"/>
+                </a:solidFill>
+              </a:rPr>
+              <a:t>도서</a:t>
+            </a:r>
+            <a:endParaRPr lang="en-US" altLang="ko-KR" b="1" dirty="0">
+              <a:solidFill>
+                <a:schemeClr val="tx1"/>
+              </a:solidFill>
+            </a:endParaRPr>
+          </a:p>
+          <a:p>
+            <a:pPr algn="ctr"/>
+            <a:r>
+              <a:rPr lang="ko-KR" altLang="en-US" b="1" dirty="0">
+                <a:solidFill>
+                  <a:schemeClr val="tx1"/>
+                </a:solidFill>
+              </a:rPr>
+              <a:t>이미지</a:t>
+            </a:r>
+          </a:p>
+        </p:txBody>
+      </p:sp>
+      <p:sp>
+        <p:nvSpPr>
+          <p:cNvPr id="32" name="사각형: 둥근 모서리 31">
+            <a:extLst>
+              <a:ext uri="{FF2B5EF4-FFF2-40B4-BE49-F238E27FC236}">
+                <a16:creationId xmlns:a16="http://schemas.microsoft.com/office/drawing/2014/main" id="{D9563F1A-C520-4054-951D-D212227C5264}"/>
+              </a:ext>
+            </a:extLst>
+          </p:cNvPr>
+          <p:cNvSpPr/>
+          <p:nvPr/>
+        </p:nvSpPr>
+        <p:spPr>
+          <a:xfrm>
+            <a:off x="886604" y="5110069"/>
+            <a:ext cx="4753190" cy="841277"/>
+          </a:xfrm>
+          <a:prstGeom prst="roundRect">
+            <a:avLst/>
+          </a:prstGeom>
+          <a:solidFill>
+            <a:schemeClr val="accent1">
+              <a:lumMod val="40000"/>
+              <a:lumOff val="60000"/>
+            </a:schemeClr>
+          </a:solidFill>
+        </p:spPr>
+        <p:style>
+          <a:lnRef idx="2">
+            <a:schemeClr val="accent1">
+              <a:shade val="50000"/>
+            </a:schemeClr>
+          </a:lnRef>
+          <a:fillRef idx="1">
+            <a:schemeClr val="accent1"/>
+          </a:fillRef>
+          <a:effectRef idx="0">
+            <a:schemeClr val="accent1"/>
+          </a:effectRef>
+          <a:fontRef idx="minor">
+            <a:schemeClr val="lt1"/>
+          </a:fontRef>
+        </p:style>
+        <p:txBody>
+          <a:bodyPr rtlCol="0" anchor="ctr"/>
+          <a:lstStyle/>
+          <a:p>
+            <a:pPr algn="ctr"/>
+            <a:r>
+              <a:rPr lang="en-US" altLang="ko-KR" b="1" dirty="0">
+                <a:solidFill>
+                  <a:schemeClr val="tx1"/>
+                </a:solidFill>
+              </a:rPr>
+              <a:t>Q&amp;A</a:t>
+            </a:r>
+            <a:endParaRPr lang="ko-KR" altLang="en-US" b="1" dirty="0">
+              <a:solidFill>
+                <a:schemeClr val="tx1"/>
+              </a:solidFill>
+            </a:endParaRPr>
+          </a:p>
+        </p:txBody>
+      </p:sp>
+      <p:sp>
+        <p:nvSpPr>
+          <p:cNvPr id="33" name="직사각형 32">
+            <a:extLst>
+              <a:ext uri="{FF2B5EF4-FFF2-40B4-BE49-F238E27FC236}">
+                <a16:creationId xmlns:a16="http://schemas.microsoft.com/office/drawing/2014/main" id="{07E39617-F04B-4D27-B8C4-E7291CF379A6}"/>
+              </a:ext>
+            </a:extLst>
+          </p:cNvPr>
+          <p:cNvSpPr/>
+          <p:nvPr/>
+        </p:nvSpPr>
+        <p:spPr>
+          <a:xfrm>
+            <a:off x="6416438" y="2123840"/>
+            <a:ext cx="5168658" cy="3982175"/>
+          </a:xfrm>
+          <a:prstGeom prst="rect">
+            <a:avLst/>
+          </a:prstGeom>
+          <a:solidFill>
+            <a:schemeClr val="accent5">
+              <a:lumMod val="20000"/>
+              <a:lumOff val="80000"/>
+            </a:schemeClr>
+          </a:solidFill>
+        </p:spPr>
+        <p:style>
+          <a:lnRef idx="2">
+            <a:schemeClr val="accent1">
+              <a:shade val="50000"/>
+            </a:schemeClr>
+          </a:lnRef>
+          <a:fillRef idx="1">
+            <a:schemeClr val="accent1"/>
+          </a:fillRef>
+          <a:effectRef idx="0">
+            <a:schemeClr val="accent1"/>
+          </a:effectRef>
+          <a:fontRef idx="minor">
+            <a:schemeClr val="lt1"/>
+          </a:fontRef>
+        </p:style>
+        <p:txBody>
+          <a:bodyPr rtlCol="0" anchor="ctr"/>
+          <a:lstStyle/>
+          <a:p>
+            <a:pPr algn="ctr"/>
+            <a:endParaRPr lang="ko-KR" altLang="en-US" dirty="0"/>
+          </a:p>
+        </p:txBody>
+      </p:sp>
+      <p:sp>
+        <p:nvSpPr>
+          <p:cNvPr id="34" name="사각형: 둥근 모서리 33">
+            <a:extLst>
+              <a:ext uri="{FF2B5EF4-FFF2-40B4-BE49-F238E27FC236}">
+                <a16:creationId xmlns:a16="http://schemas.microsoft.com/office/drawing/2014/main" id="{2A046CAD-920D-4818-AFC7-C36C94C49474}"/>
+              </a:ext>
+            </a:extLst>
+          </p:cNvPr>
+          <p:cNvSpPr/>
+          <p:nvPr/>
+        </p:nvSpPr>
+        <p:spPr>
+          <a:xfrm>
+            <a:off x="6552205" y="2289481"/>
+            <a:ext cx="1213926" cy="436498"/>
+          </a:xfrm>
+          <a:prstGeom prst="roundRect">
+            <a:avLst/>
+          </a:prstGeom>
+          <a:solidFill>
+            <a:schemeClr val="accent1">
+              <a:lumMod val="40000"/>
+              <a:lumOff val="60000"/>
+            </a:schemeClr>
+          </a:solidFill>
+        </p:spPr>
+        <p:style>
+          <a:lnRef idx="2">
+            <a:schemeClr val="accent1">
+              <a:shade val="50000"/>
+            </a:schemeClr>
+          </a:lnRef>
+          <a:fillRef idx="1">
+            <a:schemeClr val="accent1"/>
+          </a:fillRef>
+          <a:effectRef idx="0">
+            <a:schemeClr val="accent1"/>
+          </a:effectRef>
+          <a:fontRef idx="minor">
+            <a:schemeClr val="lt1"/>
+          </a:fontRef>
+        </p:style>
+        <p:txBody>
+          <a:bodyPr rtlCol="0" anchor="ctr"/>
+          <a:lstStyle/>
+          <a:p>
+            <a:pPr algn="ctr"/>
+            <a:r>
+              <a:rPr lang="ko-KR" altLang="en-US" b="1" dirty="0">
+                <a:solidFill>
+                  <a:schemeClr val="tx1"/>
+                </a:solidFill>
+              </a:rPr>
+              <a:t>로고</a:t>
+            </a:r>
+          </a:p>
+        </p:txBody>
+      </p:sp>
+      <p:sp>
+        <p:nvSpPr>
+          <p:cNvPr id="35" name="사각형: 둥근 모서리 34">
+            <a:extLst>
+              <a:ext uri="{FF2B5EF4-FFF2-40B4-BE49-F238E27FC236}">
+                <a16:creationId xmlns:a16="http://schemas.microsoft.com/office/drawing/2014/main" id="{4D40179E-DCDC-44D6-9448-20A79580FAA5}"/>
+              </a:ext>
+            </a:extLst>
+          </p:cNvPr>
+          <p:cNvSpPr/>
+          <p:nvPr/>
+        </p:nvSpPr>
+        <p:spPr>
+          <a:xfrm>
+            <a:off x="7905489" y="2289481"/>
+            <a:ext cx="3399907" cy="436498"/>
+          </a:xfrm>
+          <a:prstGeom prst="roundRect">
+            <a:avLst/>
+          </a:prstGeom>
+          <a:solidFill>
+            <a:schemeClr val="accent1">
+              <a:lumMod val="40000"/>
+              <a:lumOff val="60000"/>
+            </a:schemeClr>
+          </a:solidFill>
+        </p:spPr>
+        <p:style>
+          <a:lnRef idx="2">
+            <a:schemeClr val="accent1">
+              <a:shade val="50000"/>
+            </a:schemeClr>
+          </a:lnRef>
+          <a:fillRef idx="1">
+            <a:schemeClr val="accent1"/>
+          </a:fillRef>
+          <a:effectRef idx="0">
+            <a:schemeClr val="accent1"/>
+          </a:effectRef>
+          <a:fontRef idx="minor">
+            <a:schemeClr val="lt1"/>
+          </a:fontRef>
+        </p:style>
+        <p:txBody>
+          <a:bodyPr rtlCol="0" anchor="ctr"/>
+          <a:lstStyle/>
+          <a:p>
+            <a:pPr algn="ctr"/>
+            <a:r>
+              <a:rPr lang="ko-KR" altLang="en-US" b="1" dirty="0">
+                <a:solidFill>
+                  <a:schemeClr val="tx1"/>
+                </a:solidFill>
+              </a:rPr>
+              <a:t>로그인 창</a:t>
+            </a:r>
+          </a:p>
+        </p:txBody>
+      </p:sp>
+      <p:sp>
+        <p:nvSpPr>
+          <p:cNvPr id="41" name="사각형: 둥근 모서리 40">
+            <a:extLst>
+              <a:ext uri="{FF2B5EF4-FFF2-40B4-BE49-F238E27FC236}">
+                <a16:creationId xmlns:a16="http://schemas.microsoft.com/office/drawing/2014/main" id="{09D1CBD4-3437-4FDA-9890-9CA0B684251A}"/>
+              </a:ext>
+            </a:extLst>
+          </p:cNvPr>
+          <p:cNvSpPr/>
+          <p:nvPr/>
+        </p:nvSpPr>
+        <p:spPr>
+          <a:xfrm>
+            <a:off x="6565740" y="3118987"/>
+            <a:ext cx="4753190" cy="444952"/>
+          </a:xfrm>
+          <a:prstGeom prst="roundRect">
+            <a:avLst/>
+          </a:prstGeom>
+          <a:solidFill>
+            <a:schemeClr val="accent1">
+              <a:lumMod val="40000"/>
+              <a:lumOff val="60000"/>
+            </a:schemeClr>
+          </a:solidFill>
+        </p:spPr>
+        <p:style>
+          <a:lnRef idx="2">
+            <a:schemeClr val="accent1">
+              <a:shade val="50000"/>
+            </a:schemeClr>
+          </a:lnRef>
+          <a:fillRef idx="1">
+            <a:schemeClr val="accent1"/>
+          </a:fillRef>
+          <a:effectRef idx="0">
+            <a:schemeClr val="accent1"/>
+          </a:effectRef>
+          <a:fontRef idx="minor">
+            <a:schemeClr val="lt1"/>
+          </a:fontRef>
+        </p:style>
+        <p:txBody>
+          <a:bodyPr rtlCol="0" anchor="ctr"/>
+          <a:lstStyle/>
+          <a:p>
+            <a:pPr algn="ctr"/>
+            <a:r>
+              <a:rPr lang="en-US" altLang="ko-KR" b="1" dirty="0">
+                <a:solidFill>
+                  <a:schemeClr val="tx1"/>
+                </a:solidFill>
+              </a:rPr>
+              <a:t>Q&amp;A</a:t>
+            </a:r>
+            <a:endParaRPr lang="ko-KR" altLang="en-US" b="1" dirty="0">
+              <a:solidFill>
+                <a:schemeClr val="tx1"/>
+              </a:solidFill>
+            </a:endParaRPr>
+          </a:p>
+        </p:txBody>
+      </p:sp>
+      <p:sp>
+        <p:nvSpPr>
+          <p:cNvPr id="49" name="사각형: 둥근 모서리 48">
+            <a:extLst>
+              <a:ext uri="{FF2B5EF4-FFF2-40B4-BE49-F238E27FC236}">
+                <a16:creationId xmlns:a16="http://schemas.microsoft.com/office/drawing/2014/main" id="{6FC89C96-6D5E-4991-907E-436BA8ED4D3B}"/>
+              </a:ext>
+            </a:extLst>
+          </p:cNvPr>
+          <p:cNvSpPr/>
+          <p:nvPr/>
+        </p:nvSpPr>
+        <p:spPr>
+          <a:xfrm>
+            <a:off x="6565740" y="3709767"/>
+            <a:ext cx="4753190" cy="444952"/>
+          </a:xfrm>
+          <a:prstGeom prst="roundRect">
+            <a:avLst/>
+          </a:prstGeom>
+          <a:solidFill>
+            <a:schemeClr val="accent1">
+              <a:lumMod val="40000"/>
+              <a:lumOff val="60000"/>
+            </a:schemeClr>
+          </a:solidFill>
+        </p:spPr>
+        <p:style>
+          <a:lnRef idx="2">
+            <a:schemeClr val="accent1">
+              <a:shade val="50000"/>
+            </a:schemeClr>
+          </a:lnRef>
+          <a:fillRef idx="1">
+            <a:schemeClr val="accent1"/>
+          </a:fillRef>
+          <a:effectRef idx="0">
+            <a:schemeClr val="accent1"/>
+          </a:effectRef>
+          <a:fontRef idx="minor">
+            <a:schemeClr val="lt1"/>
+          </a:fontRef>
+        </p:style>
+        <p:txBody>
+          <a:bodyPr rtlCol="0" anchor="ctr"/>
+          <a:lstStyle/>
+          <a:p>
+            <a:pPr algn="ctr"/>
+            <a:r>
+              <a:rPr lang="ko-KR" altLang="en-US" b="1" dirty="0">
+                <a:solidFill>
+                  <a:schemeClr val="tx1"/>
+                </a:solidFill>
+              </a:rPr>
+              <a:t>답변</a:t>
+            </a:r>
+          </a:p>
+        </p:txBody>
+      </p:sp>
+      <p:sp>
+        <p:nvSpPr>
+          <p:cNvPr id="52" name="사각형: 둥근 모서리 51">
+            <a:extLst>
+              <a:ext uri="{FF2B5EF4-FFF2-40B4-BE49-F238E27FC236}">
+                <a16:creationId xmlns:a16="http://schemas.microsoft.com/office/drawing/2014/main" id="{C27B586C-948D-4AE0-A55E-F2CB06224D5A}"/>
+              </a:ext>
+            </a:extLst>
+          </p:cNvPr>
+          <p:cNvSpPr/>
+          <p:nvPr/>
+        </p:nvSpPr>
+        <p:spPr>
+          <a:xfrm>
+            <a:off x="6565740" y="4443814"/>
+            <a:ext cx="4753190" cy="444952"/>
+          </a:xfrm>
+          <a:prstGeom prst="roundRect">
+            <a:avLst/>
+          </a:prstGeom>
+          <a:solidFill>
+            <a:schemeClr val="accent1">
+              <a:lumMod val="40000"/>
+              <a:lumOff val="60000"/>
+            </a:schemeClr>
+          </a:solidFill>
+        </p:spPr>
+        <p:style>
+          <a:lnRef idx="2">
+            <a:schemeClr val="accent1">
+              <a:shade val="50000"/>
+            </a:schemeClr>
+          </a:lnRef>
+          <a:fillRef idx="1">
+            <a:schemeClr val="accent1"/>
+          </a:fillRef>
+          <a:effectRef idx="0">
+            <a:schemeClr val="accent1"/>
+          </a:effectRef>
+          <a:fontRef idx="minor">
+            <a:schemeClr val="lt1"/>
+          </a:fontRef>
+        </p:style>
+        <p:txBody>
+          <a:bodyPr rtlCol="0" anchor="ctr"/>
+          <a:lstStyle/>
+          <a:p>
+            <a:pPr algn="ctr"/>
+            <a:r>
+              <a:rPr lang="en-US" altLang="ko-KR" b="1" dirty="0">
+                <a:solidFill>
+                  <a:schemeClr val="tx1"/>
+                </a:solidFill>
+              </a:rPr>
+              <a:t>Q&amp;A</a:t>
+            </a:r>
+            <a:endParaRPr lang="ko-KR" altLang="en-US" b="1" dirty="0">
+              <a:solidFill>
+                <a:schemeClr val="tx1"/>
+              </a:solidFill>
+            </a:endParaRPr>
+          </a:p>
+        </p:txBody>
+      </p:sp>
+      <p:sp>
+        <p:nvSpPr>
+          <p:cNvPr id="53" name="사각형: 둥근 모서리 52">
+            <a:extLst>
+              <a:ext uri="{FF2B5EF4-FFF2-40B4-BE49-F238E27FC236}">
+                <a16:creationId xmlns:a16="http://schemas.microsoft.com/office/drawing/2014/main" id="{65D5D8B9-45D3-4623-BE94-9EF5F1227F5F}"/>
+              </a:ext>
+            </a:extLst>
+          </p:cNvPr>
+          <p:cNvSpPr/>
+          <p:nvPr/>
+        </p:nvSpPr>
+        <p:spPr>
+          <a:xfrm>
+            <a:off x="6565740" y="5034594"/>
+            <a:ext cx="4753190" cy="444952"/>
+          </a:xfrm>
+          <a:prstGeom prst="roundRect">
+            <a:avLst/>
+          </a:prstGeom>
+          <a:solidFill>
+            <a:schemeClr val="accent1">
+              <a:lumMod val="40000"/>
+              <a:lumOff val="60000"/>
+            </a:schemeClr>
+          </a:solidFill>
+        </p:spPr>
+        <p:style>
+          <a:lnRef idx="2">
+            <a:schemeClr val="accent1">
+              <a:shade val="50000"/>
+            </a:schemeClr>
+          </a:lnRef>
+          <a:fillRef idx="1">
+            <a:schemeClr val="accent1"/>
+          </a:fillRef>
+          <a:effectRef idx="0">
+            <a:schemeClr val="accent1"/>
+          </a:effectRef>
+          <a:fontRef idx="minor">
+            <a:schemeClr val="lt1"/>
+          </a:fontRef>
+        </p:style>
+        <p:txBody>
+          <a:bodyPr rtlCol="0" anchor="ctr"/>
+          <a:lstStyle/>
+          <a:p>
+            <a:pPr algn="ctr"/>
+            <a:r>
+              <a:rPr lang="ko-KR" altLang="en-US" b="1" dirty="0">
+                <a:solidFill>
+                  <a:schemeClr val="tx1"/>
+                </a:solidFill>
+              </a:rPr>
+              <a:t>답변</a:t>
+            </a:r>
+          </a:p>
+        </p:txBody>
+      </p:sp>
+    </p:spTree>
+    <p:extLst>
+      <p:ext uri="{BB962C8B-B14F-4D97-AF65-F5344CB8AC3E}">
+        <p14:creationId xmlns:p14="http://schemas.microsoft.com/office/powerpoint/2010/main" val="2510799980"/>
+      </p:ext>
+    </p:extLst>
+  </p:cSld>
+  <p:clrMapOvr>
+    <a:masterClrMapping/>
+  </p:clrMapOvr>
+</p:sld>
+</file>
+
 <file path=ppt/theme/theme1.xml><?xml version="1.0" encoding="utf-8"?>
 <a:theme xmlns:a="http://schemas.openxmlformats.org/drawingml/2006/main" name="Office 테마">
   <a:themeElements>
